--- a/public/abstract-format.pptx
+++ b/public/abstract-format.pptx
@@ -12,6 +12,7 @@
     <p:sldId id="260" r:id="rId10"/>
     <p:sldId id="261" r:id="rId11"/>
     <p:sldId id="262" r:id="rId12"/>
+    <p:sldId id="263" r:id="rId13"/>
   </p:sldIdLst>
   <p:sldSz cx="18288000" cy="10287000"/>
   <p:notesSz cx="18288000" cy="10287000"/>
@@ -8320,16 +8321,16 @@
               </a:spcBef>
             </a:pPr>
             <a:r>
-              <a:rPr dirty="0" spc="305"/>
-              <a:t>TECHNICAL</a:t>
-            </a:r>
-            <a:r>
-              <a:rPr dirty="0" spc="-229"/>
-              <a:t> </a:t>
-            </a:r>
-            <a:r>
-              <a:rPr dirty="0" spc="125"/>
-              <a:t>REQUIREMENTS</a:t>
+              <a:rPr dirty="0" spc="204"/>
+              <a:t>FLOW</a:t>
+            </a:r>
+            <a:r>
+              <a:rPr dirty="0" spc="-260"/>
+              <a:t> </a:t>
+            </a:r>
+            <a:r>
+              <a:rPr dirty="0" spc="340"/>
+              <a:t>DIAGRAM</a:t>
             </a:r>
           </a:p>
         </p:txBody>
@@ -8763,32 +8764,16 @@
               </a:spcBef>
             </a:pPr>
             <a:r>
-              <a:rPr dirty="0" spc="165"/>
-              <a:t>NOVELTY</a:t>
-            </a:r>
-            <a:r>
-              <a:rPr dirty="0" spc="-250"/>
-              <a:t> </a:t>
-            </a:r>
-            <a:r>
-              <a:rPr dirty="0" spc="355"/>
-              <a:t>/</a:t>
-            </a:r>
-            <a:r>
-              <a:rPr dirty="0" spc="-250"/>
-              <a:t> </a:t>
-            </a:r>
-            <a:r>
-              <a:rPr dirty="0" spc="100"/>
-              <a:t>USE</a:t>
-            </a:r>
-            <a:r>
-              <a:rPr dirty="0" spc="-250"/>
-              <a:t> </a:t>
-            </a:r>
-            <a:r>
-              <a:rPr dirty="0" spc="405"/>
-              <a:t>CASE</a:t>
+              <a:rPr dirty="0" spc="305"/>
+              <a:t>TECHNICAL</a:t>
+            </a:r>
+            <a:r>
+              <a:rPr dirty="0" spc="-229"/>
+              <a:t> </a:t>
+            </a:r>
+            <a:r>
+              <a:rPr dirty="0" spc="125"/>
+              <a:t>REQUIREMENTS</a:t>
             </a:r>
           </a:p>
         </p:txBody>
@@ -9222,16 +9207,8 @@
               </a:spcBef>
             </a:pPr>
             <a:r>
-              <a:rPr dirty="0" spc="315"/>
-              <a:t>BUSINESS</a:t>
-            </a:r>
-            <a:r>
-              <a:rPr dirty="0" spc="-254"/>
-              <a:t> </a:t>
-            </a:r>
-            <a:r>
-              <a:rPr dirty="0" spc="155"/>
-              <a:t>MODEL</a:t>
+              <a:rPr dirty="0" spc="165"/>
+              <a:t>NOVELTY</a:t>
             </a:r>
             <a:r>
               <a:rPr dirty="0" spc="-250"/>
@@ -9246,16 +9223,16 @@
               <a:t> </a:t>
             </a:r>
             <a:r>
-              <a:rPr dirty="0" spc="150"/>
-              <a:t>TARGET</a:t>
+              <a:rPr dirty="0" spc="100"/>
+              <a:t>USE</a:t>
             </a:r>
             <a:r>
               <a:rPr dirty="0" spc="-250"/>
               <a:t> </a:t>
             </a:r>
             <a:r>
-              <a:rPr dirty="0" spc="60"/>
-              <a:t>MARKET</a:t>
+              <a:rPr dirty="0" spc="405"/>
+              <a:t>CASE</a:t>
             </a:r>
           </a:p>
         </p:txBody>
@@ -9269,6 +9246,473 @@
 </file>
 
 <file path=ppt/slides/slide7.xml><?xml version="1.0" encoding="utf-8"?>
+<p:sld xmlns:a="http://schemas.openxmlformats.org/drawingml/2006/main" xmlns:r="http://schemas.openxmlformats.org/officeDocument/2006/relationships" xmlns:p="http://schemas.openxmlformats.org/presentationml/2006/main">
+  <p:cSld>
+    <p:spTree>
+      <p:nvGrpSpPr>
+        <p:cNvPr id="1" name=""/>
+        <p:cNvGrpSpPr/>
+        <p:nvPr/>
+      </p:nvGrpSpPr>
+      <p:grpSpPr>
+        <a:xfrm>
+          <a:off x="0" y="0"/>
+          <a:ext cx="0" cy="0"/>
+          <a:chOff x="0" y="0"/>
+          <a:chExt cx="0" cy="0"/>
+        </a:xfrm>
+      </p:grpSpPr>
+      <p:sp>
+        <p:nvSpPr>
+          <p:cNvPr id="2" name="object 2" descr=""/>
+          <p:cNvSpPr txBox="1"/>
+          <p:nvPr/>
+        </p:nvSpPr>
+        <p:spPr>
+          <a:xfrm>
+            <a:off x="16209922" y="1570445"/>
+            <a:ext cx="1592580" cy="157480"/>
+          </a:xfrm>
+          <a:prstGeom prst="rect">
+            <a:avLst/>
+          </a:prstGeom>
+        </p:spPr>
+        <p:txBody>
+          <a:bodyPr wrap="square" lIns="0" tIns="13970" rIns="0" bIns="0" rtlCol="0" vert="horz">
+            <a:spAutoFit/>
+          </a:bodyPr>
+          <a:lstStyle/>
+          <a:p>
+            <a:pPr marL="12700">
+              <a:lnSpc>
+                <a:spcPct val="100000"/>
+              </a:lnSpc>
+              <a:spcBef>
+                <a:spcPts val="110"/>
+              </a:spcBef>
+            </a:pPr>
+            <a:r>
+              <a:rPr dirty="0" sz="850" spc="-70" b="1">
+                <a:solidFill>
+                  <a:srgbClr val="FFFFFF"/>
+                </a:solidFill>
+                <a:latin typeface="Tahoma"/>
+                <a:cs typeface="Tahoma"/>
+              </a:rPr>
+              <a:t>Forum</a:t>
+            </a:r>
+            <a:r>
+              <a:rPr dirty="0" sz="850" spc="-110" b="1">
+                <a:solidFill>
+                  <a:srgbClr val="FFFFFF"/>
+                </a:solidFill>
+                <a:latin typeface="Tahoma"/>
+                <a:cs typeface="Tahoma"/>
+              </a:rPr>
+              <a:t> </a:t>
+            </a:r>
+            <a:r>
+              <a:rPr dirty="0" sz="850" b="1">
+                <a:solidFill>
+                  <a:srgbClr val="FFFFFF"/>
+                </a:solidFill>
+                <a:latin typeface="Tahoma"/>
+                <a:cs typeface="Tahoma"/>
+              </a:rPr>
+              <a:t>Of</a:t>
+            </a:r>
+            <a:r>
+              <a:rPr dirty="0" sz="850" spc="-110" b="1">
+                <a:solidFill>
+                  <a:srgbClr val="FFFFFF"/>
+                </a:solidFill>
+                <a:latin typeface="Tahoma"/>
+                <a:cs typeface="Tahoma"/>
+              </a:rPr>
+              <a:t> </a:t>
+            </a:r>
+            <a:r>
+              <a:rPr dirty="0" sz="850" spc="-60" b="1">
+                <a:solidFill>
+                  <a:srgbClr val="FFFFFF"/>
+                </a:solidFill>
+                <a:latin typeface="Tahoma"/>
+                <a:cs typeface="Tahoma"/>
+              </a:rPr>
+              <a:t>Data</a:t>
+            </a:r>
+            <a:r>
+              <a:rPr dirty="0" sz="850" spc="-110" b="1">
+                <a:solidFill>
+                  <a:srgbClr val="FFFFFF"/>
+                </a:solidFill>
+                <a:latin typeface="Tahoma"/>
+                <a:cs typeface="Tahoma"/>
+              </a:rPr>
+              <a:t> </a:t>
+            </a:r>
+            <a:r>
+              <a:rPr dirty="0" sz="850" spc="-55" b="1">
+                <a:solidFill>
+                  <a:srgbClr val="FFFFFF"/>
+                </a:solidFill>
+                <a:latin typeface="Tahoma"/>
+                <a:cs typeface="Tahoma"/>
+              </a:rPr>
+              <a:t>Science</a:t>
+            </a:r>
+            <a:r>
+              <a:rPr dirty="0" sz="850" spc="-110" b="1">
+                <a:solidFill>
+                  <a:srgbClr val="FFFFFF"/>
+                </a:solidFill>
+                <a:latin typeface="Tahoma"/>
+                <a:cs typeface="Tahoma"/>
+              </a:rPr>
+              <a:t> </a:t>
+            </a:r>
+            <a:r>
+              <a:rPr dirty="0" sz="850" spc="-55" b="1">
+                <a:solidFill>
+                  <a:srgbClr val="FFFFFF"/>
+                </a:solidFill>
+                <a:latin typeface="Tahoma"/>
+                <a:cs typeface="Tahoma"/>
+              </a:rPr>
+              <a:t>Engineers</a:t>
+            </a:r>
+            <a:endParaRPr sz="850">
+              <a:latin typeface="Tahoma"/>
+              <a:cs typeface="Tahoma"/>
+            </a:endParaRPr>
+          </a:p>
+        </p:txBody>
+      </p:sp>
+      <p:sp>
+        <p:nvSpPr>
+          <p:cNvPr id="4" name="object 4" descr=""/>
+          <p:cNvSpPr txBox="1">
+            <a:spLocks noGrp="1"/>
+          </p:cNvSpPr>
+          <p:nvPr>
+            <p:ph type="dt" idx="6" sz="half"/>
+          </p:nvPr>
+        </p:nvSpPr>
+        <p:spPr>
+          <a:prstGeom prst="rect"/>
+        </p:spPr>
+        <p:txBody>
+          <a:bodyPr wrap="square" lIns="0" tIns="0" rIns="0" bIns="0" rtlCol="0" vert="horz">
+            <a:spAutoFit/>
+          </a:bodyPr>
+          <a:lstStyle/>
+          <a:p>
+            <a:pPr marL="12700">
+              <a:lnSpc>
+                <a:spcPts val="7859"/>
+              </a:lnSpc>
+            </a:pPr>
+            <a:r>
+              <a:rPr dirty="0" baseline="-5965" sz="11175" spc="-390">
+                <a:solidFill>
+                  <a:srgbClr val="FFFFFF"/>
+                </a:solidFill>
+              </a:rPr>
+              <a:t>&lt;</a:t>
+            </a:r>
+            <a:r>
+              <a:rPr dirty="0" sz="5100" spc="-260"/>
+              <a:t>ETE</a:t>
+            </a:r>
+            <a:r>
+              <a:rPr dirty="0" sz="5100" spc="-240"/>
+              <a:t> </a:t>
+            </a:r>
+            <a:r>
+              <a:rPr dirty="0" sz="5100" spc="-170">
+                <a:solidFill>
+                  <a:srgbClr val="FFFFFF"/>
+                </a:solidFill>
+              </a:rPr>
+              <a:t>5.0/</a:t>
+            </a:r>
+            <a:r>
+              <a:rPr dirty="0" baseline="-5965" sz="11175" spc="-254"/>
+              <a:t>&gt;</a:t>
+            </a:r>
+            <a:endParaRPr baseline="-5965" sz="11175"/>
+          </a:p>
+        </p:txBody>
+      </p:sp>
+      <p:sp>
+        <p:nvSpPr>
+          <p:cNvPr id="5" name="object 5" descr=""/>
+          <p:cNvSpPr txBox="1">
+            <a:spLocks noGrp="1"/>
+          </p:cNvSpPr>
+          <p:nvPr>
+            <p:ph type="ftr" idx="5" sz="quarter"/>
+          </p:nvPr>
+        </p:nvSpPr>
+        <p:spPr>
+          <a:prstGeom prst="rect"/>
+        </p:spPr>
+        <p:txBody>
+          <a:bodyPr wrap="square" lIns="0" tIns="13970" rIns="0" bIns="0" rtlCol="0" vert="horz">
+            <a:spAutoFit/>
+          </a:bodyPr>
+          <a:lstStyle/>
+          <a:p>
+            <a:pPr marL="12700">
+              <a:lnSpc>
+                <a:spcPct val="100000"/>
+              </a:lnSpc>
+              <a:spcBef>
+                <a:spcPts val="110"/>
+              </a:spcBef>
+            </a:pPr>
+            <a:r>
+              <a:rPr dirty="0" spc="75"/>
+              <a:t>D</a:t>
+            </a:r>
+            <a:r>
+              <a:rPr dirty="0" spc="80"/>
+              <a:t> </a:t>
+            </a:r>
+            <a:r>
+              <a:rPr dirty="0" spc="60"/>
+              <a:t>E</a:t>
+            </a:r>
+            <a:r>
+              <a:rPr dirty="0" spc="85"/>
+              <a:t> </a:t>
+            </a:r>
+            <a:r>
+              <a:rPr dirty="0"/>
+              <a:t>S</a:t>
+            </a:r>
+            <a:r>
+              <a:rPr dirty="0" spc="80"/>
+              <a:t> </a:t>
+            </a:r>
+            <a:r>
+              <a:rPr dirty="0"/>
+              <a:t>I</a:t>
+            </a:r>
+            <a:r>
+              <a:rPr dirty="0" spc="85"/>
+              <a:t> </a:t>
+            </a:r>
+            <a:r>
+              <a:rPr dirty="0"/>
+              <a:t>G</a:t>
+            </a:r>
+            <a:r>
+              <a:rPr dirty="0" spc="80"/>
+              <a:t> </a:t>
+            </a:r>
+            <a:r>
+              <a:rPr dirty="0" spc="75"/>
+              <a:t>N</a:t>
+            </a:r>
+            <a:r>
+              <a:rPr dirty="0" spc="195"/>
+              <a:t>  </a:t>
+            </a:r>
+            <a:r>
+              <a:rPr dirty="0"/>
+              <a:t>.</a:t>
+            </a:r>
+            <a:r>
+              <a:rPr dirty="0" spc="195"/>
+              <a:t>  </a:t>
+            </a:r>
+            <a:r>
+              <a:rPr dirty="0" spc="75"/>
+              <a:t>D</a:t>
+            </a:r>
+            <a:r>
+              <a:rPr dirty="0" spc="80"/>
+              <a:t> </a:t>
+            </a:r>
+            <a:r>
+              <a:rPr dirty="0" spc="60"/>
+              <a:t>E</a:t>
+            </a:r>
+            <a:r>
+              <a:rPr dirty="0" spc="85"/>
+              <a:t> </a:t>
+            </a:r>
+            <a:r>
+              <a:rPr dirty="0"/>
+              <a:t>V</a:t>
+            </a:r>
+            <a:r>
+              <a:rPr dirty="0" spc="80"/>
+              <a:t> </a:t>
+            </a:r>
+            <a:r>
+              <a:rPr dirty="0" spc="60"/>
+              <a:t>E</a:t>
+            </a:r>
+            <a:r>
+              <a:rPr dirty="0" spc="85"/>
+              <a:t> </a:t>
+            </a:r>
+            <a:r>
+              <a:rPr dirty="0"/>
+              <a:t>L</a:t>
+            </a:r>
+            <a:r>
+              <a:rPr dirty="0" spc="80"/>
+              <a:t> </a:t>
+            </a:r>
+            <a:r>
+              <a:rPr dirty="0" spc="75"/>
+              <a:t>O</a:t>
+            </a:r>
+            <a:r>
+              <a:rPr dirty="0" spc="85"/>
+              <a:t> </a:t>
+            </a:r>
+            <a:r>
+              <a:rPr dirty="0" spc="110"/>
+              <a:t>P</a:t>
+            </a:r>
+            <a:r>
+              <a:rPr dirty="0" spc="190"/>
+              <a:t>  </a:t>
+            </a:r>
+            <a:r>
+              <a:rPr dirty="0"/>
+              <a:t>.</a:t>
+            </a:r>
+            <a:r>
+              <a:rPr dirty="0" spc="195"/>
+              <a:t>  </a:t>
+            </a:r>
+            <a:r>
+              <a:rPr dirty="0" spc="75"/>
+              <a:t>D</a:t>
+            </a:r>
+            <a:r>
+              <a:rPr dirty="0" spc="90"/>
+              <a:t> </a:t>
+            </a:r>
+            <a:r>
+              <a:rPr dirty="0" spc="60"/>
+              <a:t>E</a:t>
+            </a:r>
+            <a:r>
+              <a:rPr dirty="0" spc="80"/>
+              <a:t> </a:t>
+            </a:r>
+            <a:r>
+              <a:rPr dirty="0" spc="110"/>
+              <a:t>P</a:t>
+            </a:r>
+            <a:r>
+              <a:rPr dirty="0" spc="85"/>
+              <a:t> </a:t>
+            </a:r>
+            <a:r>
+              <a:rPr dirty="0"/>
+              <a:t>L</a:t>
+            </a:r>
+            <a:r>
+              <a:rPr dirty="0" spc="80"/>
+              <a:t> </a:t>
+            </a:r>
+            <a:r>
+              <a:rPr dirty="0" spc="75"/>
+              <a:t>O</a:t>
+            </a:r>
+            <a:r>
+              <a:rPr dirty="0" spc="85"/>
+              <a:t> </a:t>
+            </a:r>
+            <a:r>
+              <a:rPr dirty="0" spc="-50"/>
+              <a:t>Y</a:t>
+            </a:r>
+          </a:p>
+        </p:txBody>
+      </p:sp>
+      <p:sp>
+        <p:nvSpPr>
+          <p:cNvPr id="3" name="object 3"/>
+          <p:cNvSpPr txBox="1">
+            <a:spLocks noGrp="1"/>
+          </p:cNvSpPr>
+          <p:nvPr>
+            <p:ph type="title"/>
+          </p:nvPr>
+        </p:nvSpPr>
+        <p:spPr>
+          <a:prstGeom prst="rect"/>
+        </p:spPr>
+        <p:txBody>
+          <a:bodyPr wrap="square" lIns="0" tIns="12700" rIns="0" bIns="0" rtlCol="0" vert="horz">
+            <a:spAutoFit/>
+          </a:bodyPr>
+          <a:lstStyle/>
+          <a:p>
+            <a:pPr marL="12700">
+              <a:lnSpc>
+                <a:spcPct val="100000"/>
+              </a:lnSpc>
+              <a:spcBef>
+                <a:spcPts val="100"/>
+              </a:spcBef>
+            </a:pPr>
+            <a:r>
+              <a:rPr dirty="0" spc="315"/>
+              <a:t>BUSINESS</a:t>
+            </a:r>
+            <a:r>
+              <a:rPr dirty="0" spc="-254"/>
+              <a:t> </a:t>
+            </a:r>
+            <a:r>
+              <a:rPr dirty="0" spc="155"/>
+              <a:t>MODEL</a:t>
+            </a:r>
+            <a:r>
+              <a:rPr dirty="0" spc="-250"/>
+              <a:t> </a:t>
+            </a:r>
+            <a:r>
+              <a:rPr dirty="0" spc="355"/>
+              <a:t>/</a:t>
+            </a:r>
+            <a:r>
+              <a:rPr dirty="0" spc="-250"/>
+              <a:t> </a:t>
+            </a:r>
+            <a:r>
+              <a:rPr dirty="0" spc="150"/>
+              <a:t>TARGET</a:t>
+            </a:r>
+            <a:r>
+              <a:rPr dirty="0" spc="-250"/>
+              <a:t> </a:t>
+            </a:r>
+            <a:r>
+              <a:rPr dirty="0" spc="60"/>
+              <a:t>MARKET</a:t>
+            </a:r>
+          </a:p>
+        </p:txBody>
+      </p:sp>
+    </p:spTree>
+  </p:cSld>
+  <p:clrMapOvr>
+    <a:masterClrMapping/>
+  </p:clrMapOvr>
+</p:sld>
+</file>
+
+<file path=ppt/slides/slide8.xml><?xml version="1.0" encoding="utf-8"?>
 <p:sld xmlns:a="http://schemas.openxmlformats.org/drawingml/2006/main" xmlns:r="http://schemas.openxmlformats.org/officeDocument/2006/relationships" xmlns:p="http://schemas.openxmlformats.org/presentationml/2006/main" showMasterSp="0">
   <p:cSld>
     <p:spTree>
